--- a/Lab_Excercises/Lab1/Lab 1 (Distributed System).pptx
+++ b/Lab_Excercises/Lab1/Lab 1 (Distributed System).pptx
@@ -293,7 +293,7 @@
           <a:p>
             <a:fld id="{D3EB1186-0E29-4C44-B1A9-4B7C9762A0F5}" type="datetimeFigureOut">
               <a:rPr lang="en-GB" smtClean="0"/>
-              <a:t>06/11/2019</a:t>
+              <a:t>07/11/2019</a:t>
             </a:fld>
             <a:endParaRPr lang="en-GB"/>
           </a:p>
@@ -463,7 +463,7 @@
           <a:p>
             <a:fld id="{D3EB1186-0E29-4C44-B1A9-4B7C9762A0F5}" type="datetimeFigureOut">
               <a:rPr lang="en-GB" smtClean="0"/>
-              <a:t>06/11/2019</a:t>
+              <a:t>07/11/2019</a:t>
             </a:fld>
             <a:endParaRPr lang="en-GB"/>
           </a:p>
@@ -643,7 +643,7 @@
           <a:p>
             <a:fld id="{D3EB1186-0E29-4C44-B1A9-4B7C9762A0F5}" type="datetimeFigureOut">
               <a:rPr lang="en-GB" smtClean="0"/>
-              <a:t>06/11/2019</a:t>
+              <a:t>07/11/2019</a:t>
             </a:fld>
             <a:endParaRPr lang="en-GB"/>
           </a:p>
@@ -813,7 +813,7 @@
           <a:p>
             <a:fld id="{D3EB1186-0E29-4C44-B1A9-4B7C9762A0F5}" type="datetimeFigureOut">
               <a:rPr lang="en-GB" smtClean="0"/>
-              <a:t>06/11/2019</a:t>
+              <a:t>07/11/2019</a:t>
             </a:fld>
             <a:endParaRPr lang="en-GB"/>
           </a:p>
@@ -1059,7 +1059,7 @@
           <a:p>
             <a:fld id="{D3EB1186-0E29-4C44-B1A9-4B7C9762A0F5}" type="datetimeFigureOut">
               <a:rPr lang="en-GB" smtClean="0"/>
-              <a:t>06/11/2019</a:t>
+              <a:t>07/11/2019</a:t>
             </a:fld>
             <a:endParaRPr lang="en-GB"/>
           </a:p>
@@ -1347,7 +1347,7 @@
           <a:p>
             <a:fld id="{D3EB1186-0E29-4C44-B1A9-4B7C9762A0F5}" type="datetimeFigureOut">
               <a:rPr lang="en-GB" smtClean="0"/>
-              <a:t>06/11/2019</a:t>
+              <a:t>07/11/2019</a:t>
             </a:fld>
             <a:endParaRPr lang="en-GB"/>
           </a:p>
@@ -1769,7 +1769,7 @@
           <a:p>
             <a:fld id="{D3EB1186-0E29-4C44-B1A9-4B7C9762A0F5}" type="datetimeFigureOut">
               <a:rPr lang="en-GB" smtClean="0"/>
-              <a:t>06/11/2019</a:t>
+              <a:t>07/11/2019</a:t>
             </a:fld>
             <a:endParaRPr lang="en-GB"/>
           </a:p>
@@ -1887,7 +1887,7 @@
           <a:p>
             <a:fld id="{D3EB1186-0E29-4C44-B1A9-4B7C9762A0F5}" type="datetimeFigureOut">
               <a:rPr lang="en-GB" smtClean="0"/>
-              <a:t>06/11/2019</a:t>
+              <a:t>07/11/2019</a:t>
             </a:fld>
             <a:endParaRPr lang="en-GB"/>
           </a:p>
@@ -1982,7 +1982,7 @@
           <a:p>
             <a:fld id="{D3EB1186-0E29-4C44-B1A9-4B7C9762A0F5}" type="datetimeFigureOut">
               <a:rPr lang="en-GB" smtClean="0"/>
-              <a:t>06/11/2019</a:t>
+              <a:t>07/11/2019</a:t>
             </a:fld>
             <a:endParaRPr lang="en-GB"/>
           </a:p>
@@ -2259,7 +2259,7 @@
           <a:p>
             <a:fld id="{D3EB1186-0E29-4C44-B1A9-4B7C9762A0F5}" type="datetimeFigureOut">
               <a:rPr lang="en-GB" smtClean="0"/>
-              <a:t>06/11/2019</a:t>
+              <a:t>07/11/2019</a:t>
             </a:fld>
             <a:endParaRPr lang="en-GB"/>
           </a:p>
@@ -2512,7 +2512,7 @@
           <a:p>
             <a:fld id="{D3EB1186-0E29-4C44-B1A9-4B7C9762A0F5}" type="datetimeFigureOut">
               <a:rPr lang="en-GB" smtClean="0"/>
-              <a:t>06/11/2019</a:t>
+              <a:t>07/11/2019</a:t>
             </a:fld>
             <a:endParaRPr lang="en-GB"/>
           </a:p>
@@ -2725,7 +2725,7 @@
           <a:p>
             <a:fld id="{D3EB1186-0E29-4C44-B1A9-4B7C9762A0F5}" type="datetimeFigureOut">
               <a:rPr lang="en-GB" smtClean="0"/>
-              <a:t>06/11/2019</a:t>
+              <a:t>07/11/2019</a:t>
             </a:fld>
             <a:endParaRPr lang="en-GB"/>
           </a:p>
@@ -4088,9 +4088,24 @@
           <a:p>
             <a:r>
               <a:rPr lang="en-GB" dirty="0" smtClean="0"/>
-              <a:t>If we have n servers, we need to send n requests for each operations (add/modify/delete).</a:t>
-            </a:r>
-            <a:endParaRPr lang="en-GB" dirty="0" smtClean="0"/>
+              <a:t>If we have </a:t>
+            </a:r>
+            <a:r>
+              <a:rPr lang="en-GB" dirty="0" smtClean="0"/>
+              <a:t>N </a:t>
+            </a:r>
+            <a:r>
+              <a:rPr lang="en-GB" dirty="0" smtClean="0"/>
+              <a:t>servers, we need to send </a:t>
+            </a:r>
+            <a:r>
+              <a:rPr lang="en-GB" dirty="0" smtClean="0"/>
+              <a:t>N </a:t>
+            </a:r>
+            <a:r>
+              <a:rPr lang="en-GB" dirty="0" smtClean="0"/>
+              <a:t>requests for each operations (add/modify/delete).</a:t>
+            </a:r>
           </a:p>
           <a:p>
             <a:r>
@@ -4509,13 +4524,37 @@
               <a:rPr lang="en-GB" dirty="0" smtClean="0"/>
               <a:t>Data is Consistent.</a:t>
             </a:r>
+          </a:p>
+          <a:p>
+            <a:r>
+              <a:rPr lang="en-GB" dirty="0" smtClean="0"/>
+              <a:t>Handle requests Concurrently</a:t>
+            </a:r>
+            <a:r>
+              <a:rPr lang="en-GB" dirty="0" smtClean="0"/>
+              <a:t>.</a:t>
+            </a:r>
+          </a:p>
+          <a:p>
+            <a:r>
+              <a:rPr lang="en-GB" dirty="0" smtClean="0"/>
+              <a:t>Using </a:t>
+            </a:r>
+            <a:r>
+              <a:rPr lang="en-GB" dirty="0" err="1" smtClean="0"/>
+              <a:t>Threadpool</a:t>
+            </a:r>
+            <a:r>
+              <a:rPr lang="en-GB" dirty="0" smtClean="0"/>
+              <a:t> rather than spawning threads for concurrent requests.</a:t>
+            </a:r>
+          </a:p>
+          <a:p>
+            <a:r>
+              <a:rPr lang="en-GB" dirty="0" smtClean="0"/>
+              <a:t>Imposing delay rather than crashing for massive requests. </a:t>
+            </a:r>
             <a:endParaRPr lang="en-GB" dirty="0" smtClean="0"/>
-          </a:p>
-          <a:p>
-            <a:r>
-              <a:rPr lang="en-GB" dirty="0" smtClean="0"/>
-              <a:t>Handle requests Concurrently.</a:t>
-            </a:r>
           </a:p>
           <a:p>
             <a:endParaRPr lang="en-GB" dirty="0" smtClean="0"/>
@@ -4602,13 +4641,11 @@
           <a:p>
             <a:r>
               <a:rPr lang="en-GB" dirty="0" smtClean="0"/>
-              <a:t>Not bandwidth optimized. Need many requests/messages for any operations.</a:t>
-            </a:r>
-          </a:p>
-          <a:p>
+              <a:t>Not </a:t>
+            </a:r>
             <a:r>
               <a:rPr lang="en-GB" dirty="0" smtClean="0"/>
-              <a:t>Not Scalable. Leader server handles all (add/modify/delete) requests.</a:t>
+              <a:t>Scalable. Leader server handles all (add/modify/delete) requests.</a:t>
             </a:r>
           </a:p>
           <a:p>
